--- a/2019-12-26/ppt/事件类型.pptx
+++ b/2019-12-26/ppt/事件类型.pptx
@@ -25,6 +25,7 @@
     <p:sldId id="270" r:id="rId22"/>
     <p:sldId id="271" r:id="rId23"/>
     <p:sldId id="272" r:id="rId24"/>
+    <p:sldId id="273" r:id="rId25"/>
   </p:sldIdLst>
   <p:sldSz cx="24384000" cy="13716000"/>
   <p:notesSz cx="6858000" cy="9144000"/>
@@ -4301,7 +4302,7 @@
         </p:nvSpPr>
         <p:spPr>
           <a:xfrm>
-            <a:off x="2432476" y="11061166"/>
+            <a:off x="2432476" y="11061165"/>
             <a:ext cx="20894575" cy="812801"/>
           </a:xfrm>
           <a:prstGeom prst="rect">
@@ -4521,56 +4522,16 @@
       </p:sp>
       <p:sp>
         <p:nvSpPr>
-          <p:cNvPr id="293" name="键盘事件"/>
-          <p:cNvSpPr txBox="1"/>
-          <p:nvPr/>
-        </p:nvSpPr>
-        <p:spPr>
-          <a:xfrm>
-            <a:off x="2326573" y="2652352"/>
-            <a:ext cx="20170336" cy="1168401"/>
-          </a:xfrm>
-          <a:prstGeom prst="rect">
-            <a:avLst/>
-          </a:prstGeom>
-          <a:ln w="12700">
-            <a:miter lim="400000"/>
-          </a:ln>
-          <a:extLst>
-            <a:ext uri="{C572A759-6A51-4108-AA02-DFA0A04FC94B}">
-              <ma14:wrappingTextBoxFlag xmlns:ma14="http://schemas.microsoft.com/office/mac/drawingml/2011/main" val="1"/>
-            </a:ext>
-          </a:extLst>
-        </p:spPr>
-        <p:txBody>
-          <a:bodyPr lIns="50800" tIns="50800" rIns="50800" bIns="50800" anchor="ctr">
-            <a:spAutoFit/>
-          </a:bodyPr>
-          <a:lstStyle>
-            <a:lvl1pPr algn="l">
-              <a:defRPr sz="6000"/>
-            </a:lvl1pPr>
-          </a:lstStyle>
-          <a:p>
-            <a:pPr/>
-            <a:r>
-              <a:t>键盘事件</a:t>
-            </a:r>
-          </a:p>
-        </p:txBody>
-      </p:sp>
-      <p:sp>
-        <p:nvSpPr>
-          <p:cNvPr id="294" name="矩形"/>
+          <p:cNvPr id="293" name="02"/>
           <p:cNvSpPr/>
           <p:nvPr/>
         </p:nvSpPr>
         <p:spPr>
           <a:xfrm>
-            <a:off x="1452788" y="2601552"/>
-            <a:ext cx="283770" cy="1270001"/>
-          </a:xfrm>
-          <a:prstGeom prst="rect">
+            <a:off x="10446205" y="3575487"/>
+            <a:ext cx="3090113" cy="3090112"/>
+          </a:xfrm>
+          <a:prstGeom prst="ellipse">
             <a:avLst/>
           </a:prstGeom>
           <a:solidFill>
@@ -4582,6 +4543,49 @@
           </a:solidFill>
           <a:ln w="12700">
             <a:miter lim="400000"/>
+          </a:ln>
+          <a:extLst>
+            <a:ext uri="{C572A759-6A51-4108-AA02-DFA0A04FC94B}">
+              <ma14:wrappingTextBoxFlag xmlns:ma14="http://schemas.microsoft.com/office/mac/drawingml/2011/main" val="1"/>
+            </a:ext>
+          </a:extLst>
+        </p:spPr>
+        <p:txBody>
+          <a:bodyPr lIns="50800" tIns="50800" rIns="50800" bIns="50800" anchor="ctr"/>
+          <a:lstStyle>
+            <a:lvl1pPr>
+              <a:defRPr sz="9200"/>
+            </a:lvl1pPr>
+          </a:lstStyle>
+          <a:p>
+            <a:pPr/>
+            <a:r>
+              <a:t>02</a:t>
+            </a:r>
+          </a:p>
+        </p:txBody>
+      </p:sp>
+      <p:sp>
+        <p:nvSpPr>
+          <p:cNvPr id="294" name="线条"/>
+          <p:cNvSpPr/>
+          <p:nvPr/>
+        </p:nvSpPr>
+        <p:spPr>
+          <a:xfrm>
+            <a:off x="9272361" y="7312349"/>
+            <a:ext cx="5437800" cy="1"/>
+          </a:xfrm>
+          <a:prstGeom prst="line">
+            <a:avLst/>
+          </a:prstGeom>
+          <a:ln w="38100">
+            <a:solidFill>
+              <a:srgbClr val="4B4F55"/>
+            </a:solidFill>
+            <a:miter lim="400000"/>
+            <a:headEnd type="oval"/>
+            <a:tailEnd type="oval"/>
           </a:ln>
         </p:spPr>
         <p:txBody>
@@ -4601,14 +4605,14 @@
       </p:sp>
       <p:sp>
         <p:nvSpPr>
-          <p:cNvPr id="295" name="当我们想要处理键盘动作时，应使用键盘事件（虚拟键盘也算）"/>
-          <p:cNvSpPr txBox="1"/>
-          <p:nvPr/>
-        </p:nvSpPr>
-        <p:spPr>
-          <a:xfrm>
-            <a:off x="2850223" y="4450411"/>
-            <a:ext cx="19123037" cy="812801"/>
+          <p:cNvPr id="295" name="键盘事件"/>
+          <p:cNvSpPr txBox="1"/>
+          <p:nvPr/>
+        </p:nvSpPr>
+        <p:spPr>
+          <a:xfrm>
+            <a:off x="10740311" y="7798789"/>
+            <a:ext cx="2501901" cy="939801"/>
           </a:xfrm>
           <a:prstGeom prst="rect">
             <a:avLst/>
@@ -4623,401 +4627,18 @@
           </a:extLst>
         </p:spPr>
         <p:txBody>
-          <a:bodyPr lIns="50800" tIns="50800" rIns="50800" bIns="50800" anchor="ctr">
+          <a:bodyPr wrap="none" lIns="50800" tIns="50800" rIns="50800" bIns="50800" anchor="ctr">
             <a:spAutoFit/>
           </a:bodyPr>
           <a:lstStyle>
-            <a:lvl1pPr algn="l">
-              <a:defRPr sz="4000">
-                <a:solidFill>
-                  <a:srgbClr val="FFFFFF">
-                    <a:alpha val="69410"/>
-                  </a:srgbClr>
-                </a:solidFill>
-              </a:defRPr>
+            <a:lvl1pPr>
+              <a:defRPr sz="4700"/>
             </a:lvl1pPr>
           </a:lstStyle>
           <a:p>
             <a:pPr/>
             <a:r>
-              <a:t>当我们想要处理键盘动作时，应使用键盘事件（虚拟键盘也算）</a:t>
-            </a:r>
-          </a:p>
-        </p:txBody>
-      </p:sp>
-      <p:sp>
-        <p:nvSpPr>
-          <p:cNvPr id="296" name="圆形"/>
-          <p:cNvSpPr/>
-          <p:nvPr/>
-        </p:nvSpPr>
-        <p:spPr>
-          <a:xfrm>
-            <a:off x="2295110" y="4714927"/>
-            <a:ext cx="283770" cy="283770"/>
-          </a:xfrm>
-          <a:prstGeom prst="ellipse">
-            <a:avLst/>
-          </a:prstGeom>
-          <a:solidFill>
-            <a:srgbClr val="FFFFFF">
-              <a:alpha val="60876"/>
-            </a:srgbClr>
-          </a:solidFill>
-          <a:ln w="12700">
-            <a:miter lim="400000"/>
-          </a:ln>
-        </p:spPr>
-        <p:txBody>
-          <a:bodyPr lIns="50800" tIns="50800" rIns="50800" bIns="50800" anchor="ctr"/>
-          <a:lstStyle/>
-          <a:p>
-            <a:pPr>
-              <a:defRPr b="0" sz="3200">
-                <a:latin typeface="+mn-lt"/>
-                <a:ea typeface="+mn-ea"/>
-                <a:cs typeface="+mn-cs"/>
-                <a:sym typeface="Helvetica Neue Medium"/>
-              </a:defRPr>
-            </a:pPr>
-          </a:p>
-        </p:txBody>
-      </p:sp>
-      <p:sp>
-        <p:nvSpPr>
-          <p:cNvPr id="297" name="圆形"/>
-          <p:cNvSpPr/>
-          <p:nvPr/>
-        </p:nvSpPr>
-        <p:spPr>
-          <a:xfrm>
-            <a:off x="2295110" y="5892870"/>
-            <a:ext cx="283770" cy="283770"/>
-          </a:xfrm>
-          <a:prstGeom prst="ellipse">
-            <a:avLst/>
-          </a:prstGeom>
-          <a:solidFill>
-            <a:srgbClr val="FFFFFF">
-              <a:alpha val="60876"/>
-            </a:srgbClr>
-          </a:solidFill>
-          <a:ln w="12700">
-            <a:miter lim="400000"/>
-          </a:ln>
-        </p:spPr>
-        <p:txBody>
-          <a:bodyPr lIns="50800" tIns="50800" rIns="50800" bIns="50800" anchor="ctr"/>
-          <a:lstStyle/>
-          <a:p>
-            <a:pPr>
-              <a:defRPr b="0" sz="3200">
-                <a:latin typeface="+mn-lt"/>
-                <a:ea typeface="+mn-ea"/>
-                <a:cs typeface="+mn-cs"/>
-                <a:sym typeface="Helvetica Neue Medium"/>
-              </a:defRPr>
-            </a:pPr>
-          </a:p>
-        </p:txBody>
-      </p:sp>
-      <p:sp>
-        <p:nvSpPr>
-          <p:cNvPr id="298" name="Keydown 和 keyup      当键被按下时，keydown 事件会发生，而当键被释放时，keyup 事件会发生。"/>
-          <p:cNvSpPr txBox="1"/>
-          <p:nvPr/>
-        </p:nvSpPr>
-        <p:spPr>
-          <a:xfrm>
-            <a:off x="2850223" y="5663207"/>
-            <a:ext cx="19123037" cy="1538736"/>
-          </a:xfrm>
-          <a:prstGeom prst="rect">
-            <a:avLst/>
-          </a:prstGeom>
-          <a:ln w="12700">
-            <a:miter lim="400000"/>
-          </a:ln>
-          <a:extLst>
-            <a:ext uri="{C572A759-6A51-4108-AA02-DFA0A04FC94B}">
-              <ma14:wrappingTextBoxFlag xmlns:ma14="http://schemas.microsoft.com/office/mac/drawingml/2011/main" val="1"/>
-            </a:ext>
-          </a:extLst>
-        </p:spPr>
-        <p:txBody>
-          <a:bodyPr lIns="50800" tIns="50800" rIns="50800" bIns="50800" anchor="ctr">
-            <a:spAutoFit/>
-          </a:bodyPr>
-          <a:lstStyle/>
-          <a:p>
-            <a:pPr algn="l">
-              <a:defRPr sz="4000">
-                <a:solidFill>
-                  <a:srgbClr val="FFFFFF">
-                    <a:alpha val="69410"/>
-                  </a:srgbClr>
-                </a:solidFill>
-              </a:defRPr>
-            </a:pPr>
-            <a:r>
-              <a:t> Keydown 和 keyup      当键被按下时，</a:t>
-            </a:r>
-            <a:r>
-              <a:rPr>
-                <a:latin typeface="Courier"/>
-                <a:ea typeface="Courier"/>
-                <a:cs typeface="Courier"/>
-                <a:sym typeface="Courier"/>
-              </a:rPr>
-              <a:t>keydown</a:t>
-            </a:r>
-            <a:r>
-              <a:t> 事件会发生，而当键被释放时，</a:t>
-            </a:r>
-            <a:r>
-              <a:rPr>
-                <a:latin typeface="Courier"/>
-                <a:ea typeface="Courier"/>
-                <a:cs typeface="Courier"/>
-                <a:sym typeface="Courier"/>
-              </a:rPr>
-              <a:t>keyup</a:t>
-            </a:r>
-            <a:r>
-              <a:t> 事件会发生。</a:t>
-            </a:r>
-          </a:p>
-        </p:txBody>
-      </p:sp>
-      <p:sp>
-        <p:nvSpPr>
-          <p:cNvPr id="299" name="圆形"/>
-          <p:cNvSpPr/>
-          <p:nvPr/>
-        </p:nvSpPr>
-        <p:spPr>
-          <a:xfrm>
-            <a:off x="2295110" y="7751023"/>
-            <a:ext cx="283770" cy="283770"/>
-          </a:xfrm>
-          <a:prstGeom prst="ellipse">
-            <a:avLst/>
-          </a:prstGeom>
-          <a:solidFill>
-            <a:srgbClr val="FFFFFF">
-              <a:alpha val="60876"/>
-            </a:srgbClr>
-          </a:solidFill>
-          <a:ln w="12700">
-            <a:miter lim="400000"/>
-          </a:ln>
-        </p:spPr>
-        <p:txBody>
-          <a:bodyPr lIns="50800" tIns="50800" rIns="50800" bIns="50800" anchor="ctr"/>
-          <a:lstStyle/>
-          <a:p>
-            <a:pPr>
-              <a:defRPr b="0" sz="3200">
-                <a:latin typeface="+mn-lt"/>
-                <a:ea typeface="+mn-ea"/>
-                <a:cs typeface="+mn-cs"/>
-                <a:sym typeface="Helvetica Neue Medium"/>
-              </a:defRPr>
-            </a:pPr>
-          </a:p>
-        </p:txBody>
-      </p:sp>
-      <p:sp>
-        <p:nvSpPr>
-          <p:cNvPr id="300" name="键盘事件对象"/>
-          <p:cNvSpPr txBox="1"/>
-          <p:nvPr/>
-        </p:nvSpPr>
-        <p:spPr>
-          <a:xfrm>
-            <a:off x="2850223" y="7486508"/>
-            <a:ext cx="19123037" cy="812801"/>
-          </a:xfrm>
-          <a:prstGeom prst="rect">
-            <a:avLst/>
-          </a:prstGeom>
-          <a:ln w="12700">
-            <a:miter lim="400000"/>
-          </a:ln>
-          <a:extLst>
-            <a:ext uri="{C572A759-6A51-4108-AA02-DFA0A04FC94B}">
-              <ma14:wrappingTextBoxFlag xmlns:ma14="http://schemas.microsoft.com/office/mac/drawingml/2011/main" val="1"/>
-            </a:ext>
-          </a:extLst>
-        </p:spPr>
-        <p:txBody>
-          <a:bodyPr lIns="50800" tIns="50800" rIns="50800" bIns="50800" anchor="ctr">
-            <a:spAutoFit/>
-          </a:bodyPr>
-          <a:lstStyle>
-            <a:lvl1pPr algn="l">
-              <a:defRPr sz="4000">
-                <a:solidFill>
-                  <a:srgbClr val="FFFFFF">
-                    <a:alpha val="69410"/>
-                  </a:srgbClr>
-                </a:solidFill>
-              </a:defRPr>
-            </a:lvl1pPr>
-          </a:lstStyle>
-          <a:p>
-            <a:pPr/>
-            <a:r>
-              <a:t>键盘事件对象</a:t>
-            </a:r>
-          </a:p>
-        </p:txBody>
-      </p:sp>
-      <p:sp>
-        <p:nvSpPr>
-          <p:cNvPr id="301" name="event.key  按下的键"/>
-          <p:cNvSpPr txBox="1"/>
-          <p:nvPr/>
-        </p:nvSpPr>
-        <p:spPr>
-          <a:xfrm>
-            <a:off x="3304839" y="8516839"/>
-            <a:ext cx="19123037" cy="812801"/>
-          </a:xfrm>
-          <a:prstGeom prst="rect">
-            <a:avLst/>
-          </a:prstGeom>
-          <a:ln w="12700">
-            <a:miter lim="400000"/>
-          </a:ln>
-          <a:extLst>
-            <a:ext uri="{C572A759-6A51-4108-AA02-DFA0A04FC94B}">
-              <ma14:wrappingTextBoxFlag xmlns:ma14="http://schemas.microsoft.com/office/mac/drawingml/2011/main" val="1"/>
-            </a:ext>
-          </a:extLst>
-        </p:spPr>
-        <p:txBody>
-          <a:bodyPr lIns="50800" tIns="50800" rIns="50800" bIns="50800" anchor="ctr">
-            <a:spAutoFit/>
-          </a:bodyPr>
-          <a:lstStyle>
-            <a:lvl1pPr algn="l">
-              <a:defRPr sz="4000">
-                <a:solidFill>
-                  <a:srgbClr val="FFFFFF">
-                    <a:alpha val="69410"/>
-                  </a:srgbClr>
-                </a:solidFill>
-              </a:defRPr>
-            </a:lvl1pPr>
-          </a:lstStyle>
-          <a:p>
-            <a:pPr/>
-            <a:r>
-              <a:t>event.key  按下的键</a:t>
-            </a:r>
-          </a:p>
-        </p:txBody>
-      </p:sp>
-      <p:sp>
-        <p:nvSpPr>
-          <p:cNvPr id="302" name="event.code  按下键的码（物理密钥）"/>
-          <p:cNvSpPr txBox="1"/>
-          <p:nvPr/>
-        </p:nvSpPr>
-        <p:spPr>
-          <a:xfrm>
-            <a:off x="3304839" y="9547169"/>
-            <a:ext cx="19123037" cy="812801"/>
-          </a:xfrm>
-          <a:prstGeom prst="rect">
-            <a:avLst/>
-          </a:prstGeom>
-          <a:ln w="12700">
-            <a:miter lim="400000"/>
-          </a:ln>
-          <a:extLst>
-            <a:ext uri="{C572A759-6A51-4108-AA02-DFA0A04FC94B}">
-              <ma14:wrappingTextBoxFlag xmlns:ma14="http://schemas.microsoft.com/office/mac/drawingml/2011/main" val="1"/>
-            </a:ext>
-          </a:extLst>
-        </p:spPr>
-        <p:txBody>
-          <a:bodyPr lIns="50800" tIns="50800" rIns="50800" bIns="50800" anchor="ctr">
-            <a:spAutoFit/>
-          </a:bodyPr>
-          <a:lstStyle>
-            <a:lvl1pPr algn="l">
-              <a:defRPr sz="4000">
-                <a:solidFill>
-                  <a:srgbClr val="FFFFFF">
-                    <a:alpha val="69410"/>
-                  </a:srgbClr>
-                </a:solidFill>
-              </a:defRPr>
-            </a:lvl1pPr>
-          </a:lstStyle>
-          <a:p>
-            <a:pPr/>
-            <a:r>
-              <a:t>event.code  按下键的码（物理密钥）</a:t>
-            </a:r>
-          </a:p>
-        </p:txBody>
-      </p:sp>
-      <p:sp>
-        <p:nvSpPr>
-          <p:cNvPr id="303" name="如果按键时间足够长，它就会开始重复：keydown 会被一次又一次触发"/>
-          <p:cNvSpPr txBox="1"/>
-          <p:nvPr/>
-        </p:nvSpPr>
-        <p:spPr>
-          <a:xfrm>
-            <a:off x="2429743" y="11607829"/>
-            <a:ext cx="19123037" cy="812801"/>
-          </a:xfrm>
-          <a:prstGeom prst="rect">
-            <a:avLst/>
-          </a:prstGeom>
-          <a:ln w="12700">
-            <a:miter lim="400000"/>
-          </a:ln>
-          <a:extLst>
-            <a:ext uri="{C572A759-6A51-4108-AA02-DFA0A04FC94B}">
-              <ma14:wrappingTextBoxFlag xmlns:ma14="http://schemas.microsoft.com/office/mac/drawingml/2011/main" val="1"/>
-            </a:ext>
-          </a:extLst>
-        </p:spPr>
-        <p:txBody>
-          <a:bodyPr lIns="50800" tIns="50800" rIns="50800" bIns="50800" anchor="ctr">
-            <a:spAutoFit/>
-          </a:bodyPr>
-          <a:lstStyle/>
-          <a:p>
-            <a:pPr algn="l">
-              <a:defRPr sz="4000">
-                <a:solidFill>
-                  <a:schemeClr val="accent4">
-                    <a:hueOff val="-1109302"/>
-                    <a:lumOff val="-6470"/>
-                  </a:schemeClr>
-                </a:solidFill>
-              </a:defRPr>
-            </a:pPr>
-            <a:r>
-              <a:t>如果按键时间足够长，它就会开始重复：</a:t>
-            </a:r>
-            <a:r>
-              <a:rPr>
-                <a:latin typeface="Courier"/>
-                <a:ea typeface="Courier"/>
-                <a:cs typeface="Courier"/>
-                <a:sym typeface="Courier"/>
-              </a:rPr>
-              <a:t>keydown</a:t>
-            </a:r>
-            <a:r>
-              <a:t> 会被一次又一次触发</a:t>
+              <a:t>键盘事件</a:t>
             </a:r>
           </a:p>
         </p:txBody>
@@ -5061,7 +4682,7 @@
       </p:grpSpPr>
       <p:sp>
         <p:nvSpPr>
-          <p:cNvPr id="305" name="追梦课堂   临汾首家专业的web前端培训机构                                                          www.zmclass.com"/>
+          <p:cNvPr id="297" name="追梦课堂   临汾首家专业的web前端培训机构                                                          www.zmclass.com"/>
           <p:cNvSpPr txBox="1"/>
           <p:nvPr/>
         </p:nvSpPr>
@@ -5132,7 +4753,7 @@
       </p:sp>
       <p:sp>
         <p:nvSpPr>
-          <p:cNvPr id="306" name="幻灯片编号"/>
+          <p:cNvPr id="298" name="幻灯片编号"/>
           <p:cNvSpPr txBox="1"/>
           <p:nvPr>
             <p:ph type="sldNum" sz="quarter" idx="2"/>
@@ -5159,7 +4780,7 @@
       </p:sp>
       <p:sp>
         <p:nvSpPr>
-          <p:cNvPr id="307" name="滚动事件"/>
+          <p:cNvPr id="299" name="键盘事件"/>
           <p:cNvSpPr txBox="1"/>
           <p:nvPr/>
         </p:nvSpPr>
@@ -5192,14 +4813,14 @@
           <a:p>
             <a:pPr/>
             <a:r>
-              <a:t>滚动事件</a:t>
-            </a:r>
-          </a:p>
-        </p:txBody>
-      </p:sp>
-      <p:sp>
-        <p:nvSpPr>
-          <p:cNvPr id="308" name="矩形"/>
+              <a:t>键盘事件</a:t>
+            </a:r>
+          </a:p>
+        </p:txBody>
+      </p:sp>
+      <p:sp>
+        <p:nvSpPr>
+          <p:cNvPr id="300" name="矩形"/>
           <p:cNvSpPr/>
           <p:nvPr/>
         </p:nvSpPr>
@@ -5239,7 +4860,7 @@
       </p:sp>
       <p:sp>
         <p:nvSpPr>
-          <p:cNvPr id="309" name="scroll  在页面或元素上滚动时作出反应"/>
+          <p:cNvPr id="301" name="当我们想要处理键盘动作时，应使用键盘事件（虚拟键盘也算）"/>
           <p:cNvSpPr txBox="1"/>
           <p:nvPr/>
         </p:nvSpPr>
@@ -5278,14 +4899,14 @@
           <a:p>
             <a:pPr/>
             <a:r>
-              <a:t>scroll  在页面或元素上滚动时作出反应</a:t>
-            </a:r>
-          </a:p>
-        </p:txBody>
-      </p:sp>
-      <p:sp>
-        <p:nvSpPr>
-          <p:cNvPr id="310" name="圆形"/>
+              <a:t>当我们想要处理键盘动作时，应使用键盘事件（虚拟键盘也算）</a:t>
+            </a:r>
+          </a:p>
+        </p:txBody>
+      </p:sp>
+      <p:sp>
+        <p:nvSpPr>
+          <p:cNvPr id="302" name="圆形"/>
           <p:cNvSpPr/>
           <p:nvPr/>
         </p:nvSpPr>
@@ -5318,6 +4939,345 @@
                 <a:sym typeface="Helvetica Neue Medium"/>
               </a:defRPr>
             </a:pPr>
+          </a:p>
+        </p:txBody>
+      </p:sp>
+      <p:sp>
+        <p:nvSpPr>
+          <p:cNvPr id="303" name="圆形"/>
+          <p:cNvSpPr/>
+          <p:nvPr/>
+        </p:nvSpPr>
+        <p:spPr>
+          <a:xfrm>
+            <a:off x="2295110" y="5892870"/>
+            <a:ext cx="283770" cy="283770"/>
+          </a:xfrm>
+          <a:prstGeom prst="ellipse">
+            <a:avLst/>
+          </a:prstGeom>
+          <a:solidFill>
+            <a:srgbClr val="FFFFFF">
+              <a:alpha val="60876"/>
+            </a:srgbClr>
+          </a:solidFill>
+          <a:ln w="12700">
+            <a:miter lim="400000"/>
+          </a:ln>
+        </p:spPr>
+        <p:txBody>
+          <a:bodyPr lIns="50800" tIns="50800" rIns="50800" bIns="50800" anchor="ctr"/>
+          <a:lstStyle/>
+          <a:p>
+            <a:pPr>
+              <a:defRPr b="0" sz="3200">
+                <a:latin typeface="+mn-lt"/>
+                <a:ea typeface="+mn-ea"/>
+                <a:cs typeface="+mn-cs"/>
+                <a:sym typeface="Helvetica Neue Medium"/>
+              </a:defRPr>
+            </a:pPr>
+          </a:p>
+        </p:txBody>
+      </p:sp>
+      <p:sp>
+        <p:nvSpPr>
+          <p:cNvPr id="304" name="keydown 和 keyup      当键被按下时，keydown 事件会发生，而当键被释放时，keyup 事件会发生。"/>
+          <p:cNvSpPr txBox="1"/>
+          <p:nvPr/>
+        </p:nvSpPr>
+        <p:spPr>
+          <a:xfrm>
+            <a:off x="2850223" y="5663207"/>
+            <a:ext cx="19123037" cy="1538736"/>
+          </a:xfrm>
+          <a:prstGeom prst="rect">
+            <a:avLst/>
+          </a:prstGeom>
+          <a:ln w="12700">
+            <a:miter lim="400000"/>
+          </a:ln>
+          <a:extLst>
+            <a:ext uri="{C572A759-6A51-4108-AA02-DFA0A04FC94B}">
+              <ma14:wrappingTextBoxFlag xmlns:ma14="http://schemas.microsoft.com/office/mac/drawingml/2011/main" val="1"/>
+            </a:ext>
+          </a:extLst>
+        </p:spPr>
+        <p:txBody>
+          <a:bodyPr lIns="50800" tIns="50800" rIns="50800" bIns="50800" anchor="ctr">
+            <a:spAutoFit/>
+          </a:bodyPr>
+          <a:lstStyle/>
+          <a:p>
+            <a:pPr algn="l">
+              <a:defRPr sz="4000">
+                <a:solidFill>
+                  <a:srgbClr val="FFFFFF">
+                    <a:alpha val="69410"/>
+                  </a:srgbClr>
+                </a:solidFill>
+              </a:defRPr>
+            </a:pPr>
+            <a:r>
+              <a:t> keydown 和 keyup      当键被按下时，</a:t>
+            </a:r>
+            <a:r>
+              <a:rPr>
+                <a:latin typeface="Courier"/>
+                <a:ea typeface="Courier"/>
+                <a:cs typeface="Courier"/>
+                <a:sym typeface="Courier"/>
+              </a:rPr>
+              <a:t>keydown</a:t>
+            </a:r>
+            <a:r>
+              <a:t> 事件会发生，而当键被释放时，</a:t>
+            </a:r>
+            <a:r>
+              <a:rPr>
+                <a:latin typeface="Courier"/>
+                <a:ea typeface="Courier"/>
+                <a:cs typeface="Courier"/>
+                <a:sym typeface="Courier"/>
+              </a:rPr>
+              <a:t>keyup</a:t>
+            </a:r>
+            <a:r>
+              <a:t> 事件会发生。</a:t>
+            </a:r>
+          </a:p>
+        </p:txBody>
+      </p:sp>
+      <p:sp>
+        <p:nvSpPr>
+          <p:cNvPr id="305" name="圆形"/>
+          <p:cNvSpPr/>
+          <p:nvPr/>
+        </p:nvSpPr>
+        <p:spPr>
+          <a:xfrm>
+            <a:off x="2295110" y="7751023"/>
+            <a:ext cx="283770" cy="283770"/>
+          </a:xfrm>
+          <a:prstGeom prst="ellipse">
+            <a:avLst/>
+          </a:prstGeom>
+          <a:solidFill>
+            <a:srgbClr val="FFFFFF">
+              <a:alpha val="60876"/>
+            </a:srgbClr>
+          </a:solidFill>
+          <a:ln w="12700">
+            <a:miter lim="400000"/>
+          </a:ln>
+        </p:spPr>
+        <p:txBody>
+          <a:bodyPr lIns="50800" tIns="50800" rIns="50800" bIns="50800" anchor="ctr"/>
+          <a:lstStyle/>
+          <a:p>
+            <a:pPr>
+              <a:defRPr b="0" sz="3200">
+                <a:latin typeface="+mn-lt"/>
+                <a:ea typeface="+mn-ea"/>
+                <a:cs typeface="+mn-cs"/>
+                <a:sym typeface="Helvetica Neue Medium"/>
+              </a:defRPr>
+            </a:pPr>
+          </a:p>
+        </p:txBody>
+      </p:sp>
+      <p:sp>
+        <p:nvSpPr>
+          <p:cNvPr id="306" name="键盘事件对象"/>
+          <p:cNvSpPr txBox="1"/>
+          <p:nvPr/>
+        </p:nvSpPr>
+        <p:spPr>
+          <a:xfrm>
+            <a:off x="2850223" y="7486508"/>
+            <a:ext cx="19123037" cy="812801"/>
+          </a:xfrm>
+          <a:prstGeom prst="rect">
+            <a:avLst/>
+          </a:prstGeom>
+          <a:ln w="12700">
+            <a:miter lim="400000"/>
+          </a:ln>
+          <a:extLst>
+            <a:ext uri="{C572A759-6A51-4108-AA02-DFA0A04FC94B}">
+              <ma14:wrappingTextBoxFlag xmlns:ma14="http://schemas.microsoft.com/office/mac/drawingml/2011/main" val="1"/>
+            </a:ext>
+          </a:extLst>
+        </p:spPr>
+        <p:txBody>
+          <a:bodyPr lIns="50800" tIns="50800" rIns="50800" bIns="50800" anchor="ctr">
+            <a:spAutoFit/>
+          </a:bodyPr>
+          <a:lstStyle>
+            <a:lvl1pPr algn="l">
+              <a:defRPr sz="4000">
+                <a:solidFill>
+                  <a:srgbClr val="FFFFFF">
+                    <a:alpha val="69410"/>
+                  </a:srgbClr>
+                </a:solidFill>
+              </a:defRPr>
+            </a:lvl1pPr>
+          </a:lstStyle>
+          <a:p>
+            <a:pPr/>
+            <a:r>
+              <a:t>键盘事件对象</a:t>
+            </a:r>
+          </a:p>
+        </p:txBody>
+      </p:sp>
+      <p:sp>
+        <p:nvSpPr>
+          <p:cNvPr id="307" name="event.key  按下的键"/>
+          <p:cNvSpPr txBox="1"/>
+          <p:nvPr/>
+        </p:nvSpPr>
+        <p:spPr>
+          <a:xfrm>
+            <a:off x="3304839" y="8516839"/>
+            <a:ext cx="19123037" cy="812801"/>
+          </a:xfrm>
+          <a:prstGeom prst="rect">
+            <a:avLst/>
+          </a:prstGeom>
+          <a:ln w="12700">
+            <a:miter lim="400000"/>
+          </a:ln>
+          <a:extLst>
+            <a:ext uri="{C572A759-6A51-4108-AA02-DFA0A04FC94B}">
+              <ma14:wrappingTextBoxFlag xmlns:ma14="http://schemas.microsoft.com/office/mac/drawingml/2011/main" val="1"/>
+            </a:ext>
+          </a:extLst>
+        </p:spPr>
+        <p:txBody>
+          <a:bodyPr lIns="50800" tIns="50800" rIns="50800" bIns="50800" anchor="ctr">
+            <a:spAutoFit/>
+          </a:bodyPr>
+          <a:lstStyle>
+            <a:lvl1pPr algn="l">
+              <a:defRPr sz="4000">
+                <a:solidFill>
+                  <a:srgbClr val="FFFFFF">
+                    <a:alpha val="69410"/>
+                  </a:srgbClr>
+                </a:solidFill>
+              </a:defRPr>
+            </a:lvl1pPr>
+          </a:lstStyle>
+          <a:p>
+            <a:pPr/>
+            <a:r>
+              <a:t>event.key  按下的键</a:t>
+            </a:r>
+          </a:p>
+        </p:txBody>
+      </p:sp>
+      <p:sp>
+        <p:nvSpPr>
+          <p:cNvPr id="308" name="event.code  按下键的码（物理密钥）"/>
+          <p:cNvSpPr txBox="1"/>
+          <p:nvPr/>
+        </p:nvSpPr>
+        <p:spPr>
+          <a:xfrm>
+            <a:off x="3304839" y="9547169"/>
+            <a:ext cx="19123037" cy="812801"/>
+          </a:xfrm>
+          <a:prstGeom prst="rect">
+            <a:avLst/>
+          </a:prstGeom>
+          <a:ln w="12700">
+            <a:miter lim="400000"/>
+          </a:ln>
+          <a:extLst>
+            <a:ext uri="{C572A759-6A51-4108-AA02-DFA0A04FC94B}">
+              <ma14:wrappingTextBoxFlag xmlns:ma14="http://schemas.microsoft.com/office/mac/drawingml/2011/main" val="1"/>
+            </a:ext>
+          </a:extLst>
+        </p:spPr>
+        <p:txBody>
+          <a:bodyPr lIns="50800" tIns="50800" rIns="50800" bIns="50800" anchor="ctr">
+            <a:spAutoFit/>
+          </a:bodyPr>
+          <a:lstStyle>
+            <a:lvl1pPr algn="l">
+              <a:defRPr sz="4000">
+                <a:solidFill>
+                  <a:srgbClr val="FFFFFF">
+                    <a:alpha val="69410"/>
+                  </a:srgbClr>
+                </a:solidFill>
+              </a:defRPr>
+            </a:lvl1pPr>
+          </a:lstStyle>
+          <a:p>
+            <a:pPr/>
+            <a:r>
+              <a:t>event.code  按下键的码（物理密钥）</a:t>
+            </a:r>
+          </a:p>
+        </p:txBody>
+      </p:sp>
+      <p:sp>
+        <p:nvSpPr>
+          <p:cNvPr id="309" name="如果按键时间足够长，它就会开始重复：keydown 会被一次又一次触发"/>
+          <p:cNvSpPr txBox="1"/>
+          <p:nvPr/>
+        </p:nvSpPr>
+        <p:spPr>
+          <a:xfrm>
+            <a:off x="2429743" y="11607829"/>
+            <a:ext cx="19123037" cy="812801"/>
+          </a:xfrm>
+          <a:prstGeom prst="rect">
+            <a:avLst/>
+          </a:prstGeom>
+          <a:ln w="12700">
+            <a:miter lim="400000"/>
+          </a:ln>
+          <a:extLst>
+            <a:ext uri="{C572A759-6A51-4108-AA02-DFA0A04FC94B}">
+              <ma14:wrappingTextBoxFlag xmlns:ma14="http://schemas.microsoft.com/office/mac/drawingml/2011/main" val="1"/>
+            </a:ext>
+          </a:extLst>
+        </p:spPr>
+        <p:txBody>
+          <a:bodyPr lIns="50800" tIns="50800" rIns="50800" bIns="50800" anchor="ctr">
+            <a:spAutoFit/>
+          </a:bodyPr>
+          <a:lstStyle/>
+          <a:p>
+            <a:pPr algn="l">
+              <a:defRPr sz="4000">
+                <a:solidFill>
+                  <a:schemeClr val="accent4">
+                    <a:hueOff val="-1109302"/>
+                    <a:lumOff val="-6470"/>
+                  </a:schemeClr>
+                </a:solidFill>
+              </a:defRPr>
+            </a:pPr>
+            <a:r>
+              <a:t>如果按键时间足够长，它就会开始重复：</a:t>
+            </a:r>
+            <a:r>
+              <a:rPr>
+                <a:latin typeface="Courier"/>
+                <a:ea typeface="Courier"/>
+                <a:cs typeface="Courier"/>
+                <a:sym typeface="Courier"/>
+              </a:rPr>
+              <a:t>keydown</a:t>
+            </a:r>
+            <a:r>
+              <a:t> 会被一次又一次触发</a:t>
+            </a:r>
           </a:p>
         </p:txBody>
       </p:sp>
@@ -5360,7 +5320,7 @@
       </p:grpSpPr>
       <p:sp>
         <p:nvSpPr>
-          <p:cNvPr id="312" name="追梦课堂   临汾首家专业的web前端培训机构                                                          www.zmclass.com"/>
+          <p:cNvPr id="311" name="追梦课堂   临汾首家专业的web前端培训机构                                                          www.zmclass.com"/>
           <p:cNvSpPr txBox="1"/>
           <p:nvPr/>
         </p:nvSpPr>
@@ -5431,7 +5391,7 @@
       </p:sp>
       <p:sp>
         <p:nvSpPr>
-          <p:cNvPr id="313" name="幻灯片编号"/>
+          <p:cNvPr id="312" name="幻灯片编号"/>
           <p:cNvSpPr txBox="1"/>
           <p:nvPr>
             <p:ph type="sldNum" sz="quarter" idx="2"/>
@@ -5458,56 +5418,16 @@
       </p:sp>
       <p:sp>
         <p:nvSpPr>
-          <p:cNvPr id="314" name="eg: 无限加载"/>
-          <p:cNvSpPr txBox="1"/>
-          <p:nvPr/>
-        </p:nvSpPr>
-        <p:spPr>
-          <a:xfrm>
-            <a:off x="2326573" y="2652352"/>
-            <a:ext cx="20170336" cy="1168401"/>
-          </a:xfrm>
-          <a:prstGeom prst="rect">
-            <a:avLst/>
-          </a:prstGeom>
-          <a:ln w="12700">
-            <a:miter lim="400000"/>
-          </a:ln>
-          <a:extLst>
-            <a:ext uri="{C572A759-6A51-4108-AA02-DFA0A04FC94B}">
-              <ma14:wrappingTextBoxFlag xmlns:ma14="http://schemas.microsoft.com/office/mac/drawingml/2011/main" val="1"/>
-            </a:ext>
-          </a:extLst>
-        </p:spPr>
-        <p:txBody>
-          <a:bodyPr lIns="50800" tIns="50800" rIns="50800" bIns="50800" anchor="ctr">
-            <a:spAutoFit/>
-          </a:bodyPr>
-          <a:lstStyle>
-            <a:lvl1pPr algn="l">
-              <a:defRPr sz="6000"/>
-            </a:lvl1pPr>
-          </a:lstStyle>
-          <a:p>
-            <a:pPr/>
-            <a:r>
-              <a:t>eg: 无限加载</a:t>
-            </a:r>
-          </a:p>
-        </p:txBody>
-      </p:sp>
-      <p:sp>
-        <p:nvSpPr>
-          <p:cNvPr id="315" name="矩形"/>
+          <p:cNvPr id="313" name="03"/>
           <p:cNvSpPr/>
           <p:nvPr/>
         </p:nvSpPr>
         <p:spPr>
           <a:xfrm>
-            <a:off x="1452788" y="2601552"/>
-            <a:ext cx="283770" cy="1270001"/>
-          </a:xfrm>
-          <a:prstGeom prst="rect">
+            <a:off x="10446205" y="3575487"/>
+            <a:ext cx="3090113" cy="3090112"/>
+          </a:xfrm>
+          <a:prstGeom prst="ellipse">
             <a:avLst/>
           </a:prstGeom>
           <a:solidFill>
@@ -5519,6 +5439,49 @@
           </a:solidFill>
           <a:ln w="12700">
             <a:miter lim="400000"/>
+          </a:ln>
+          <a:extLst>
+            <a:ext uri="{C572A759-6A51-4108-AA02-DFA0A04FC94B}">
+              <ma14:wrappingTextBoxFlag xmlns:ma14="http://schemas.microsoft.com/office/mac/drawingml/2011/main" val="1"/>
+            </a:ext>
+          </a:extLst>
+        </p:spPr>
+        <p:txBody>
+          <a:bodyPr lIns="50800" tIns="50800" rIns="50800" bIns="50800" anchor="ctr"/>
+          <a:lstStyle>
+            <a:lvl1pPr>
+              <a:defRPr sz="9200"/>
+            </a:lvl1pPr>
+          </a:lstStyle>
+          <a:p>
+            <a:pPr/>
+            <a:r>
+              <a:t>03</a:t>
+            </a:r>
+          </a:p>
+        </p:txBody>
+      </p:sp>
+      <p:sp>
+        <p:nvSpPr>
+          <p:cNvPr id="314" name="线条"/>
+          <p:cNvSpPr/>
+          <p:nvPr/>
+        </p:nvSpPr>
+        <p:spPr>
+          <a:xfrm>
+            <a:off x="9272361" y="7312349"/>
+            <a:ext cx="5437800" cy="1"/>
+          </a:xfrm>
+          <a:prstGeom prst="line">
+            <a:avLst/>
+          </a:prstGeom>
+          <a:ln w="38100">
+            <a:solidFill>
+              <a:srgbClr val="4B4F55"/>
+            </a:solidFill>
+            <a:miter lim="400000"/>
+            <a:headEnd type="oval"/>
+            <a:tailEnd type="oval"/>
           </a:ln>
         </p:spPr>
         <p:txBody>
@@ -5538,75 +5501,41 @@
       </p:sp>
       <p:sp>
         <p:nvSpPr>
-          <p:cNvPr id="316" name="文本"/>
-          <p:cNvSpPr txBox="1"/>
-          <p:nvPr/>
-        </p:nvSpPr>
-        <p:spPr>
-          <a:xfrm>
-            <a:off x="2850223" y="4450411"/>
-            <a:ext cx="19123037" cy="812801"/>
-          </a:xfrm>
-          <a:prstGeom prst="rect">
-            <a:avLst/>
-          </a:prstGeom>
-          <a:ln w="12700">
-            <a:miter lim="400000"/>
-          </a:ln>
-        </p:spPr>
-        <p:txBody>
-          <a:bodyPr lIns="50800" tIns="50800" rIns="50800" bIns="50800" anchor="ctr">
+          <p:cNvPr id="315" name="滚动事件"/>
+          <p:cNvSpPr txBox="1"/>
+          <p:nvPr/>
+        </p:nvSpPr>
+        <p:spPr>
+          <a:xfrm>
+            <a:off x="10740311" y="7798789"/>
+            <a:ext cx="2501901" cy="939801"/>
+          </a:xfrm>
+          <a:prstGeom prst="rect">
+            <a:avLst/>
+          </a:prstGeom>
+          <a:ln w="12700">
+            <a:miter lim="400000"/>
+          </a:ln>
+          <a:extLst>
+            <a:ext uri="{C572A759-6A51-4108-AA02-DFA0A04FC94B}">
+              <ma14:wrappingTextBoxFlag xmlns:ma14="http://schemas.microsoft.com/office/mac/drawingml/2011/main" val="1"/>
+            </a:ext>
+          </a:extLst>
+        </p:spPr>
+        <p:txBody>
+          <a:bodyPr wrap="none" lIns="50800" tIns="50800" rIns="50800" bIns="50800" anchor="ctr">
             <a:spAutoFit/>
           </a:bodyPr>
-          <a:lstStyle/>
-          <a:p>
-            <a:pPr algn="l">
-              <a:defRPr sz="4000">
-                <a:solidFill>
-                  <a:srgbClr val="FFFFFF">
-                    <a:alpha val="69410"/>
-                  </a:srgbClr>
-                </a:solidFill>
-              </a:defRPr>
-            </a:pPr>
-          </a:p>
-        </p:txBody>
-      </p:sp>
-      <p:sp>
-        <p:nvSpPr>
-          <p:cNvPr id="317" name="圆形"/>
-          <p:cNvSpPr/>
-          <p:nvPr/>
-        </p:nvSpPr>
-        <p:spPr>
-          <a:xfrm>
-            <a:off x="2295110" y="4714927"/>
-            <a:ext cx="283770" cy="283770"/>
-          </a:xfrm>
-          <a:prstGeom prst="ellipse">
-            <a:avLst/>
-          </a:prstGeom>
-          <a:solidFill>
-            <a:srgbClr val="FFFFFF">
-              <a:alpha val="60876"/>
-            </a:srgbClr>
-          </a:solidFill>
-          <a:ln w="12700">
-            <a:miter lim="400000"/>
-          </a:ln>
-        </p:spPr>
-        <p:txBody>
-          <a:bodyPr lIns="50800" tIns="50800" rIns="50800" bIns="50800" anchor="ctr"/>
-          <a:lstStyle/>
-          <a:p>
-            <a:pPr>
-              <a:defRPr b="0" sz="3200">
-                <a:latin typeface="+mn-lt"/>
-                <a:ea typeface="+mn-ea"/>
-                <a:cs typeface="+mn-cs"/>
-                <a:sym typeface="Helvetica Neue Medium"/>
-              </a:defRPr>
-            </a:pPr>
+          <a:lstStyle>
+            <a:lvl1pPr>
+              <a:defRPr sz="4700"/>
+            </a:lvl1pPr>
+          </a:lstStyle>
+          <a:p>
+            <a:pPr/>
+            <a:r>
+              <a:t>滚动事件</a:t>
+            </a:r>
           </a:p>
         </p:txBody>
       </p:sp>
@@ -5649,7 +5578,7 @@
       </p:grpSpPr>
       <p:sp>
         <p:nvSpPr>
-          <p:cNvPr id="319" name="追梦课堂   临汾首家专业的web前端培训机构                                                          www.zmclass.com"/>
+          <p:cNvPr id="317" name="追梦课堂   临汾首家专业的web前端培训机构                                                          www.zmclass.com"/>
           <p:cNvSpPr txBox="1"/>
           <p:nvPr/>
         </p:nvSpPr>
@@ -5720,7 +5649,7 @@
       </p:sp>
       <p:sp>
         <p:nvSpPr>
-          <p:cNvPr id="320" name="幻灯片编号"/>
+          <p:cNvPr id="318" name="幻灯片编号"/>
           <p:cNvSpPr txBox="1"/>
           <p:nvPr>
             <p:ph type="sldNum" sz="quarter" idx="2"/>
@@ -5747,7 +5676,7 @@
       </p:sp>
       <p:sp>
         <p:nvSpPr>
-          <p:cNvPr id="321" name="eg: 无限加载"/>
+          <p:cNvPr id="319" name="滚动事件"/>
           <p:cNvSpPr txBox="1"/>
           <p:nvPr/>
         </p:nvSpPr>
@@ -5780,14 +5709,14 @@
           <a:p>
             <a:pPr/>
             <a:r>
-              <a:t>eg: 无限加载</a:t>
-            </a:r>
-          </a:p>
-        </p:txBody>
-      </p:sp>
-      <p:sp>
-        <p:nvSpPr>
-          <p:cNvPr id="322" name="矩形"/>
+              <a:t>滚动事件</a:t>
+            </a:r>
+          </a:p>
+        </p:txBody>
+      </p:sp>
+      <p:sp>
+        <p:nvSpPr>
+          <p:cNvPr id="320" name="矩形"/>
           <p:cNvSpPr/>
           <p:nvPr/>
         </p:nvSpPr>
@@ -5827,7 +5756,7 @@
       </p:sp>
       <p:sp>
         <p:nvSpPr>
-          <p:cNvPr id="323" name="文本"/>
+          <p:cNvPr id="321" name="scroll  在页面或元素上滚动时作出反应"/>
           <p:cNvSpPr txBox="1"/>
           <p:nvPr/>
         </p:nvSpPr>
@@ -5842,14 +5771,18 @@
           <a:ln w="12700">
             <a:miter lim="400000"/>
           </a:ln>
+          <a:extLst>
+            <a:ext uri="{C572A759-6A51-4108-AA02-DFA0A04FC94B}">
+              <ma14:wrappingTextBoxFlag xmlns:ma14="http://schemas.microsoft.com/office/mac/drawingml/2011/main" val="1"/>
+            </a:ext>
+          </a:extLst>
         </p:spPr>
         <p:txBody>
           <a:bodyPr lIns="50800" tIns="50800" rIns="50800" bIns="50800" anchor="ctr">
             <a:spAutoFit/>
           </a:bodyPr>
-          <a:lstStyle/>
-          <a:p>
-            <a:pPr algn="l">
+          <a:lstStyle>
+            <a:lvl1pPr algn="l">
               <a:defRPr sz="4000">
                 <a:solidFill>
                   <a:srgbClr val="FFFFFF">
@@ -5857,13 +5790,19 @@
                   </a:srgbClr>
                 </a:solidFill>
               </a:defRPr>
-            </a:pPr>
-          </a:p>
-        </p:txBody>
-      </p:sp>
-      <p:sp>
-        <p:nvSpPr>
-          <p:cNvPr id="324" name="圆形"/>
+            </a:lvl1pPr>
+          </a:lstStyle>
+          <a:p>
+            <a:pPr/>
+            <a:r>
+              <a:t>scroll  在页面或元素上滚动时作出反应</a:t>
+            </a:r>
+          </a:p>
+        </p:txBody>
+      </p:sp>
+      <p:sp>
+        <p:nvSpPr>
+          <p:cNvPr id="322" name="圆形"/>
           <p:cNvSpPr/>
           <p:nvPr/>
         </p:nvSpPr>
@@ -5938,7 +5877,306 @@
       </p:grpSpPr>
       <p:sp>
         <p:nvSpPr>
-          <p:cNvPr id="326" name="Thanks！"/>
+          <p:cNvPr id="324" name="追梦课堂   临汾首家专业的web前端培训机构                                                          www.zmclass.com"/>
+          <p:cNvSpPr txBox="1"/>
+          <p:nvPr/>
+        </p:nvSpPr>
+        <p:spPr>
+          <a:xfrm>
+            <a:off x="1821067" y="12583265"/>
+            <a:ext cx="20340389" cy="560450"/>
+          </a:xfrm>
+          <a:prstGeom prst="rect">
+            <a:avLst/>
+          </a:prstGeom>
+          <a:ln w="12700">
+            <a:miter lim="400000"/>
+          </a:ln>
+          <a:extLst>
+            <a:ext uri="{C572A759-6A51-4108-AA02-DFA0A04FC94B}">
+              <ma14:wrappingTextBoxFlag xmlns:ma14="http://schemas.microsoft.com/office/mac/drawingml/2011/main" val="1"/>
+            </a:ext>
+          </a:extLst>
+        </p:spPr>
+        <p:txBody>
+          <a:bodyPr lIns="50800" tIns="50800" rIns="50800" bIns="50800" anchor="ctr">
+            <a:spAutoFit/>
+          </a:bodyPr>
+          <a:lstStyle/>
+          <a:p>
+            <a:pPr algn="l"/>
+            <a:r>
+              <a:rPr spc="1275" sz="1700">
+                <a:solidFill>
+                  <a:srgbClr val="FFFFFF">
+                    <a:alpha val="43661"/>
+                  </a:srgbClr>
+                </a:solidFill>
+              </a:rPr>
+              <a:t>追梦课堂   临汾首家专业的web前端培训机构 </a:t>
+            </a:r>
+            <a:r>
+              <a:rPr spc="2250"/>
+              <a:t>              </a:t>
+            </a:r>
+            <a:r>
+              <a:t>                                          </a:t>
+            </a:r>
+            <a:r>
+              <a:rPr sz="1700">
+                <a:solidFill>
+                  <a:srgbClr val="FFFFFF">
+                    <a:alpha val="50000"/>
+                  </a:srgbClr>
+                </a:solidFill>
+              </a:rPr>
+              <a:t> </a:t>
+            </a:r>
+            <a:r>
+              <a:rPr sz="1700">
+                <a:solidFill>
+                  <a:srgbClr val="FFFFFF">
+                    <a:alpha val="50000"/>
+                  </a:srgbClr>
+                </a:solidFill>
+                <a:hlinkClick r:id="rId3" invalidUrl="" action="" tgtFrame="" tooltip="" history="1" highlightClick="0" endSnd="0"/>
+              </a:rPr>
+              <a:t>www.zmclass.com</a:t>
+            </a:r>
+          </a:p>
+        </p:txBody>
+      </p:sp>
+      <p:sp>
+        <p:nvSpPr>
+          <p:cNvPr id="325" name="幻灯片编号"/>
+          <p:cNvSpPr txBox="1"/>
+          <p:nvPr>
+            <p:ph type="sldNum" sz="quarter" idx="2"/>
+          </p:nvPr>
+        </p:nvSpPr>
+        <p:spPr>
+          <a:prstGeom prst="rect">
+            <a:avLst/>
+          </a:prstGeom>
+          <a:extLst>
+            <a:ext uri="{C572A759-6A51-4108-AA02-DFA0A04FC94B}">
+              <ma14:wrappingTextBoxFlag xmlns:ma14="http://schemas.microsoft.com/office/mac/drawingml/2011/main" val="1"/>
+            </a:ext>
+          </a:extLst>
+        </p:spPr>
+        <p:txBody>
+          <a:bodyPr/>
+          <a:lstStyle/>
+          <a:p>
+            <a:pPr/>
+            <a:fld id="{86CB4B4D-7CA3-9044-876B-883B54F8677D}" type="slidenum"/>
+          </a:p>
+        </p:txBody>
+      </p:sp>
+      <p:sp>
+        <p:nvSpPr>
+          <p:cNvPr id="326" name="eg: 无限加载"/>
+          <p:cNvSpPr txBox="1"/>
+          <p:nvPr/>
+        </p:nvSpPr>
+        <p:spPr>
+          <a:xfrm>
+            <a:off x="2326573" y="2652352"/>
+            <a:ext cx="20170336" cy="1168401"/>
+          </a:xfrm>
+          <a:prstGeom prst="rect">
+            <a:avLst/>
+          </a:prstGeom>
+          <a:ln w="12700">
+            <a:miter lim="400000"/>
+          </a:ln>
+          <a:extLst>
+            <a:ext uri="{C572A759-6A51-4108-AA02-DFA0A04FC94B}">
+              <ma14:wrappingTextBoxFlag xmlns:ma14="http://schemas.microsoft.com/office/mac/drawingml/2011/main" val="1"/>
+            </a:ext>
+          </a:extLst>
+        </p:spPr>
+        <p:txBody>
+          <a:bodyPr lIns="50800" tIns="50800" rIns="50800" bIns="50800" anchor="ctr">
+            <a:spAutoFit/>
+          </a:bodyPr>
+          <a:lstStyle>
+            <a:lvl1pPr algn="l">
+              <a:defRPr sz="6000"/>
+            </a:lvl1pPr>
+          </a:lstStyle>
+          <a:p>
+            <a:pPr/>
+            <a:r>
+              <a:t>eg: 无限加载</a:t>
+            </a:r>
+          </a:p>
+        </p:txBody>
+      </p:sp>
+      <p:sp>
+        <p:nvSpPr>
+          <p:cNvPr id="327" name="矩形"/>
+          <p:cNvSpPr/>
+          <p:nvPr/>
+        </p:nvSpPr>
+        <p:spPr>
+          <a:xfrm>
+            <a:off x="1452788" y="2601552"/>
+            <a:ext cx="283770" cy="1270001"/>
+          </a:xfrm>
+          <a:prstGeom prst="rect">
+            <a:avLst/>
+          </a:prstGeom>
+          <a:solidFill>
+            <a:schemeClr val="accent5">
+              <a:hueOff val="-36178"/>
+              <a:satOff val="6507"/>
+              <a:lumOff val="-23518"/>
+            </a:schemeClr>
+          </a:solidFill>
+          <a:ln w="12700">
+            <a:miter lim="400000"/>
+          </a:ln>
+        </p:spPr>
+        <p:txBody>
+          <a:bodyPr lIns="50800" tIns="50800" rIns="50800" bIns="50800" anchor="ctr"/>
+          <a:lstStyle/>
+          <a:p>
+            <a:pPr>
+              <a:defRPr b="0" sz="3200">
+                <a:latin typeface="+mn-lt"/>
+                <a:ea typeface="+mn-ea"/>
+                <a:cs typeface="+mn-cs"/>
+                <a:sym typeface="Helvetica Neue Medium"/>
+              </a:defRPr>
+            </a:pPr>
+          </a:p>
+        </p:txBody>
+      </p:sp>
+      <p:sp>
+        <p:nvSpPr>
+          <p:cNvPr id="328" name="知识点  getBoundingClientRect、 clientHeight"/>
+          <p:cNvSpPr txBox="1"/>
+          <p:nvPr/>
+        </p:nvSpPr>
+        <p:spPr>
+          <a:xfrm>
+            <a:off x="2850223" y="4450411"/>
+            <a:ext cx="19123037" cy="812801"/>
+          </a:xfrm>
+          <a:prstGeom prst="rect">
+            <a:avLst/>
+          </a:prstGeom>
+          <a:ln w="12700">
+            <a:miter lim="400000"/>
+          </a:ln>
+          <a:extLst>
+            <a:ext uri="{C572A759-6A51-4108-AA02-DFA0A04FC94B}">
+              <ma14:wrappingTextBoxFlag xmlns:ma14="http://schemas.microsoft.com/office/mac/drawingml/2011/main" val="1"/>
+            </a:ext>
+          </a:extLst>
+        </p:spPr>
+        <p:txBody>
+          <a:bodyPr lIns="50800" tIns="50800" rIns="50800" bIns="50800" anchor="ctr">
+            <a:spAutoFit/>
+          </a:bodyPr>
+          <a:lstStyle>
+            <a:lvl1pPr algn="l">
+              <a:defRPr sz="4000">
+                <a:solidFill>
+                  <a:srgbClr val="FFFFFF">
+                    <a:alpha val="69410"/>
+                  </a:srgbClr>
+                </a:solidFill>
+              </a:defRPr>
+            </a:lvl1pPr>
+          </a:lstStyle>
+          <a:p>
+            <a:pPr/>
+            <a:r>
+              <a:t>知识点  getBoundingClientRect、 clientHeight</a:t>
+            </a:r>
+          </a:p>
+        </p:txBody>
+      </p:sp>
+      <p:sp>
+        <p:nvSpPr>
+          <p:cNvPr id="329" name="圆形"/>
+          <p:cNvSpPr/>
+          <p:nvPr/>
+        </p:nvSpPr>
+        <p:spPr>
+          <a:xfrm>
+            <a:off x="2295110" y="4714927"/>
+            <a:ext cx="283770" cy="283770"/>
+          </a:xfrm>
+          <a:prstGeom prst="ellipse">
+            <a:avLst/>
+          </a:prstGeom>
+          <a:solidFill>
+            <a:srgbClr val="FFFFFF">
+              <a:alpha val="60876"/>
+            </a:srgbClr>
+          </a:solidFill>
+          <a:ln w="12700">
+            <a:miter lim="400000"/>
+          </a:ln>
+        </p:spPr>
+        <p:txBody>
+          <a:bodyPr lIns="50800" tIns="50800" rIns="50800" bIns="50800" anchor="ctr"/>
+          <a:lstStyle/>
+          <a:p>
+            <a:pPr>
+              <a:defRPr b="0" sz="3200">
+                <a:latin typeface="+mn-lt"/>
+                <a:ea typeface="+mn-ea"/>
+                <a:cs typeface="+mn-cs"/>
+                <a:sym typeface="Helvetica Neue Medium"/>
+              </a:defRPr>
+            </a:pPr>
+          </a:p>
+        </p:txBody>
+      </p:sp>
+    </p:spTree>
+  </p:cSld>
+  <p:clrMapOvr>
+    <a:masterClrMapping/>
+  </p:clrMapOvr>
+  <p:transition xmlns:p14="http://schemas.microsoft.com/office/powerpoint/2010/main" spd="med" advClick="1"/>
+</p:sld>
+</file>
+
+<file path=ppt/slides/slide18.xml><?xml version="1.0" encoding="utf-8"?>
+<p:sld xmlns:a="http://schemas.openxmlformats.org/drawingml/2006/main" xmlns:r="http://schemas.openxmlformats.org/officeDocument/2006/relationships" xmlns:p="http://schemas.openxmlformats.org/presentationml/2006/main" xmlns:m="http://schemas.openxmlformats.org/officeDocument/2006/math" xmlns:a14="http://schemas.microsoft.com/office/drawing/2010/main" showMasterSp="1" showMasterPhAnim="1">
+  <p:cSld>
+    <p:bg>
+      <p:bgPr>
+        <a:blipFill rotWithShape="1">
+          <a:blip r:embed="rId2"/>
+          <a:srcRect l="0" t="0" r="0" b="0"/>
+          <a:stretch>
+            <a:fillRect/>
+          </a:stretch>
+        </a:blipFill>
+      </p:bgPr>
+    </p:bg>
+    <p:spTree>
+      <p:nvGrpSpPr>
+        <p:cNvPr id="1" name=""/>
+        <p:cNvGrpSpPr/>
+        <p:nvPr/>
+      </p:nvGrpSpPr>
+      <p:grpSpPr>
+        <a:xfrm>
+          <a:off x="0" y="0"/>
+          <a:ext cx="0" cy="0"/>
+          <a:chOff x="0" y="0"/>
+          <a:chExt cx="0" cy="0"/>
+        </a:xfrm>
+      </p:grpSpPr>
+      <p:sp>
+        <p:nvSpPr>
+          <p:cNvPr id="331" name="Thanks！"/>
           <p:cNvSpPr txBox="1"/>
           <p:nvPr>
             <p:ph type="ctrTitle"/>
@@ -5975,7 +6213,7 @@
       </p:sp>
       <p:sp>
         <p:nvSpPr>
-          <p:cNvPr id="327" name="追梦课堂临汾首家专业的web前端培训机构    www.zmclass.com"/>
+          <p:cNvPr id="332" name="追梦课堂临汾首家专业的web前端培训机构    www.zmclass.com"/>
           <p:cNvSpPr txBox="1"/>
           <p:nvPr/>
         </p:nvSpPr>
@@ -6036,7 +6274,7 @@
       </p:sp>
       <p:sp>
         <p:nvSpPr>
-          <p:cNvPr id="328" name="幻灯片编号"/>
+          <p:cNvPr id="333" name="幻灯片编号"/>
           <p:cNvSpPr txBox="1"/>
           <p:nvPr>
             <p:ph type="sldNum" sz="quarter" idx="2"/>
@@ -7688,7 +7926,7 @@
         <p:spPr>
           <a:xfrm>
             <a:off x="12506993" y="3861459"/>
-            <a:ext cx="2991051" cy="812801"/>
+            <a:ext cx="2991050" cy="812801"/>
           </a:xfrm>
           <a:prstGeom prst="rect">
             <a:avLst/>
@@ -8055,7 +8293,7 @@
         </p:nvSpPr>
         <p:spPr>
           <a:xfrm>
-            <a:off x="13463604" y="10002802"/>
+            <a:off x="13463604" y="10002801"/>
             <a:ext cx="2991051" cy="812801"/>
           </a:xfrm>
           <a:prstGeom prst="rect">
@@ -8147,7 +8385,7 @@
         </p:nvSpPr>
         <p:spPr>
           <a:xfrm>
-            <a:off x="17076344" y="8614806"/>
+            <a:off x="17076343" y="8614806"/>
             <a:ext cx="6224719" cy="1331466"/>
           </a:xfrm>
           <a:prstGeom prst="rect">
@@ -9542,8 +9780,8 @@
         </p:nvSpPr>
         <p:spPr>
           <a:xfrm>
-            <a:off x="2080371" y="11639334"/>
-            <a:ext cx="19821781" cy="812801"/>
+            <a:off x="2080371" y="11639333"/>
+            <a:ext cx="19821782" cy="812801"/>
           </a:xfrm>
           <a:prstGeom prst="rect">
             <a:avLst/>
@@ -9635,7 +9873,7 @@
         <p:spPr>
           <a:xfrm>
             <a:off x="15960494" y="7611816"/>
-            <a:ext cx="13046233" cy="812801"/>
+            <a:ext cx="13046232" cy="812801"/>
           </a:xfrm>
           <a:prstGeom prst="rect">
             <a:avLst/>
@@ -10694,7 +10932,7 @@
         </p:nvSpPr>
         <p:spPr>
           <a:xfrm>
-            <a:off x="4065281" y="9499599"/>
+            <a:off x="4065281" y="9499600"/>
             <a:ext cx="13046232" cy="812801"/>
           </a:xfrm>
           <a:prstGeom prst="rect">
@@ -10817,7 +11055,7 @@
         <p:spPr>
           <a:xfrm>
             <a:off x="13570742" y="5869306"/>
-            <a:ext cx="13046233" cy="812801"/>
+            <a:ext cx="13046232" cy="812801"/>
           </a:xfrm>
           <a:prstGeom prst="rect">
             <a:avLst/>
@@ -10863,7 +11101,7 @@
         <p:spPr>
           <a:xfrm>
             <a:off x="13570742" y="6804757"/>
-            <a:ext cx="13046233" cy="812801"/>
+            <a:ext cx="13046232" cy="812801"/>
           </a:xfrm>
           <a:prstGeom prst="rect">
             <a:avLst/>
@@ -10909,7 +11147,7 @@
         <p:spPr>
           <a:xfrm>
             <a:off x="13570742" y="7644178"/>
-            <a:ext cx="13046233" cy="812801"/>
+            <a:ext cx="13046232" cy="812801"/>
           </a:xfrm>
           <a:prstGeom prst="rect">
             <a:avLst/>
@@ -10955,7 +11193,7 @@
         <p:spPr>
           <a:xfrm>
             <a:off x="13570742" y="8673975"/>
-            <a:ext cx="13046233" cy="812801"/>
+            <a:ext cx="13046232" cy="812801"/>
           </a:xfrm>
           <a:prstGeom prst="rect">
             <a:avLst/>
